--- a/s5_outils_numeriques/b1_outils_numeriques/seance1_demistifier_python/B1_0_Outils_Methodes.pptx
+++ b/s5_outils_numeriques/b1_outils_numeriques/seance1_demistifier_python/B1_0_Outils_Methodes.pptx
@@ -18,7 +18,8 @@
     <p:sldId id="263" r:id="rId12"/>
     <p:sldId id="261" r:id="rId13"/>
     <p:sldId id="260" r:id="rId14"/>
-    <p:sldId id="269" r:id="rId15"/>
+    <p:sldId id="270" r:id="rId15"/>
+    <p:sldId id="269" r:id="rId16"/>
   </p:sldIdLst>
   <p:sldSz cx="12192000" cy="6858000"/>
   <p:notesSz cx="6858000" cy="9144000"/>
@@ -281,7 +282,7 @@
           <a:p>
             <a:fld id="{02AC24A9-CCB6-4F8D-B8DB-C2F3692CFA5A}" type="datetimeFigureOut">
               <a:rPr lang="en-US" smtClean="0"/>
-              <a:t>4/17/2023</a:t>
+              <a:t>4/20/2023</a:t>
             </a:fld>
             <a:endParaRPr lang="en-US" dirty="0"/>
           </a:p>
@@ -651,7 +652,7 @@
           <a:p>
             <a:fld id="{02AC24A9-CCB6-4F8D-B8DB-C2F3692CFA5A}" type="datetimeFigureOut">
               <a:rPr lang="en-US" smtClean="0"/>
-              <a:t>4/17/2023</a:t>
+              <a:t>4/20/2023</a:t>
             </a:fld>
             <a:endParaRPr lang="en-US"/>
           </a:p>
@@ -860,7 +861,7 @@
           <a:p>
             <a:fld id="{02AC24A9-CCB6-4F8D-B8DB-C2F3692CFA5A}" type="datetimeFigureOut">
               <a:rPr lang="en-US" smtClean="0"/>
-              <a:t>4/17/2023</a:t>
+              <a:t>4/20/2023</a:t>
             </a:fld>
             <a:endParaRPr lang="en-US"/>
           </a:p>
@@ -1330,7 +1331,7 @@
           <a:p>
             <a:fld id="{02AC24A9-CCB6-4F8D-B8DB-C2F3692CFA5A}" type="datetimeFigureOut">
               <a:rPr lang="en-US" smtClean="0"/>
-              <a:t>4/17/2023</a:t>
+              <a:t>4/20/2023</a:t>
             </a:fld>
             <a:endParaRPr lang="en-US"/>
           </a:p>
@@ -1784,7 +1785,7 @@
           <a:p>
             <a:fld id="{02AC24A9-CCB6-4F8D-B8DB-C2F3692CFA5A}" type="datetimeFigureOut">
               <a:rPr lang="en-US" smtClean="0"/>
-              <a:t>4/17/2023</a:t>
+              <a:t>4/20/2023</a:t>
             </a:fld>
             <a:endParaRPr lang="en-US"/>
           </a:p>
@@ -2316,7 +2317,7 @@
           <a:p>
             <a:fld id="{02AC24A9-CCB6-4F8D-B8DB-C2F3692CFA5A}" type="datetimeFigureOut">
               <a:rPr lang="en-US" smtClean="0"/>
-              <a:t>4/17/2023</a:t>
+              <a:t>4/20/2023</a:t>
             </a:fld>
             <a:endParaRPr lang="en-US"/>
           </a:p>
@@ -3015,7 +3016,7 @@
           <a:p>
             <a:fld id="{02AC24A9-CCB6-4F8D-B8DB-C2F3692CFA5A}" type="datetimeFigureOut">
               <a:rPr lang="en-US" smtClean="0"/>
-              <a:t>4/17/2023</a:t>
+              <a:t>4/20/2023</a:t>
             </a:fld>
             <a:endParaRPr lang="en-US"/>
           </a:p>
@@ -3344,7 +3345,7 @@
           <a:p>
             <a:fld id="{02AC24A9-CCB6-4F8D-B8DB-C2F3692CFA5A}" type="datetimeFigureOut">
               <a:rPr lang="en-US" smtClean="0"/>
-              <a:t>4/17/2023</a:t>
+              <a:t>4/20/2023</a:t>
             </a:fld>
             <a:endParaRPr lang="en-US"/>
           </a:p>
@@ -3457,7 +3458,7 @@
           <a:p>
             <a:fld id="{02AC24A9-CCB6-4F8D-B8DB-C2F3692CFA5A}" type="datetimeFigureOut">
               <a:rPr lang="en-US" smtClean="0"/>
-              <a:t>4/17/2023</a:t>
+              <a:t>4/20/2023</a:t>
             </a:fld>
             <a:endParaRPr lang="en-US"/>
           </a:p>
@@ -3952,7 +3953,7 @@
           <a:p>
             <a:fld id="{02AC24A9-CCB6-4F8D-B8DB-C2F3692CFA5A}" type="datetimeFigureOut">
               <a:rPr lang="en-US" smtClean="0"/>
-              <a:t>4/17/2023</a:t>
+              <a:t>4/20/2023</a:t>
             </a:fld>
             <a:endParaRPr lang="en-US" dirty="0"/>
           </a:p>
@@ -4429,7 +4430,7 @@
           <a:p>
             <a:fld id="{02AC24A9-CCB6-4F8D-B8DB-C2F3692CFA5A}" type="datetimeFigureOut">
               <a:rPr lang="en-US" smtClean="0"/>
-              <a:t>4/17/2023</a:t>
+              <a:t>4/20/2023</a:t>
             </a:fld>
             <a:endParaRPr lang="en-US"/>
           </a:p>
@@ -4672,7 +4673,7 @@
           <a:p>
             <a:fld id="{02AC24A9-CCB6-4F8D-B8DB-C2F3692CFA5A}" type="datetimeFigureOut">
               <a:rPr lang="en-US" smtClean="0"/>
-              <a:t>4/17/2023</a:t>
+              <a:t>4/20/2023</a:t>
             </a:fld>
             <a:endParaRPr lang="en-US"/>
           </a:p>
@@ -7517,7 +7518,10 @@
               <a:rPr lang="fr-FR" dirty="0" err="1"/>
               <a:t>encadrant.e</a:t>
             </a:r>
-            <a:endParaRPr lang="fr-FR" dirty="0"/>
+            <a:r>
+              <a:rPr lang="fr-FR" dirty="0"/>
+              <a:t> durant la séance</a:t>
+            </a:r>
           </a:p>
           <a:p>
             <a:pPr lvl="2"/>
@@ -7538,6 +7542,13 @@
             <a:r>
               <a:rPr lang="fr-FR" dirty="0"/>
               <a:t>Utilisation de fonctions</a:t>
+            </a:r>
+          </a:p>
+          <a:p>
+            <a:pPr lvl="2"/>
+            <a:r>
+              <a:rPr lang="fr-FR" dirty="0"/>
+              <a:t>Présentation des résultats</a:t>
             </a:r>
           </a:p>
           <a:p>
@@ -7572,7 +7583,7 @@
           <a:p>
             <a:r>
               <a:rPr lang="fr-FR" dirty="0"/>
-              <a:t>Travail en autonomie</a:t>
+              <a:t>Phases d’apprentissage</a:t>
             </a:r>
           </a:p>
         </p:txBody>
@@ -7738,7 +7749,7 @@
         </p:blipFill>
         <p:spPr>
           <a:xfrm>
-            <a:off x="8342479" y="437784"/>
+            <a:off x="7005291" y="437784"/>
             <a:ext cx="1401288" cy="1401288"/>
           </a:xfrm>
           <a:prstGeom prst="rect">
@@ -7746,6 +7757,390 @@
           </a:prstGeom>
         </p:spPr>
       </p:pic>
+      <p:sp>
+        <p:nvSpPr>
+          <p:cNvPr id="6" name="ZoneTexte 5">
+            <a:extLst>
+              <a:ext uri="{FF2B5EF4-FFF2-40B4-BE49-F238E27FC236}">
+                <a16:creationId xmlns:a16="http://schemas.microsoft.com/office/drawing/2014/main" id="{53177DBA-E31C-6A08-5071-177B62FB5E96}"/>
+              </a:ext>
+            </a:extLst>
+          </p:cNvPr>
+          <p:cNvSpPr txBox="1"/>
+          <p:nvPr/>
+        </p:nvSpPr>
+        <p:spPr>
+          <a:xfrm>
+            <a:off x="8969659" y="1507987"/>
+            <a:ext cx="2435233" cy="369332"/>
+          </a:xfrm>
+          <a:prstGeom prst="rect">
+            <a:avLst/>
+          </a:prstGeom>
+          <a:solidFill>
+            <a:srgbClr val="00B050"/>
+          </a:solidFill>
+        </p:spPr>
+        <p:txBody>
+          <a:bodyPr wrap="square">
+            <a:spAutoFit/>
+          </a:bodyPr>
+          <a:lstStyle/>
+          <a:p>
+            <a:pPr algn="ctr"/>
+            <a:r>
+              <a:rPr lang="fr-FR" b="1" i="1" dirty="0"/>
+              <a:t>S’ENTRAINER</a:t>
+            </a:r>
+          </a:p>
+        </p:txBody>
+      </p:sp>
+    </p:spTree>
+    <p:extLst>
+      <p:ext uri="{BB962C8B-B14F-4D97-AF65-F5344CB8AC3E}">
+        <p14:creationId xmlns:p14="http://schemas.microsoft.com/office/powerpoint/2010/main" val="1124339619"/>
+      </p:ext>
+    </p:extLst>
+  </p:cSld>
+  <p:clrMapOvr>
+    <a:masterClrMapping/>
+  </p:clrMapOvr>
+</p:sld>
+</file>
+
+<file path=ppt/slides/slide15.xml><?xml version="1.0" encoding="utf-8"?>
+<p:sld xmlns:a="http://schemas.openxmlformats.org/drawingml/2006/main" xmlns:r="http://schemas.openxmlformats.org/officeDocument/2006/relationships" xmlns:p="http://schemas.openxmlformats.org/presentationml/2006/main">
+  <p:cSld>
+    <p:spTree>
+      <p:nvGrpSpPr>
+        <p:cNvPr id="1" name=""/>
+        <p:cNvGrpSpPr/>
+        <p:nvPr/>
+      </p:nvGrpSpPr>
+      <p:grpSpPr>
+        <a:xfrm>
+          <a:off x="0" y="0"/>
+          <a:ext cx="0" cy="0"/>
+          <a:chOff x="0" y="0"/>
+          <a:chExt cx="0" cy="0"/>
+        </a:xfrm>
+      </p:grpSpPr>
+      <p:sp>
+        <p:nvSpPr>
+          <p:cNvPr id="3" name="Espace réservé du contenu 2">
+            <a:extLst>
+              <a:ext uri="{FF2B5EF4-FFF2-40B4-BE49-F238E27FC236}">
+                <a16:creationId xmlns:a16="http://schemas.microsoft.com/office/drawing/2014/main" id="{E0BBB9DE-019C-C741-F224-494739D4B752}"/>
+              </a:ext>
+            </a:extLst>
+          </p:cNvPr>
+          <p:cNvSpPr>
+            <a:spLocks noGrp="1"/>
+          </p:cNvSpPr>
+          <p:nvPr>
+            <p:ph sz="half" idx="1"/>
+          </p:nvPr>
+        </p:nvSpPr>
+        <p:spPr>
+          <a:xfrm>
+            <a:off x="1115568" y="2478024"/>
+            <a:ext cx="10168128" cy="3694176"/>
+          </a:xfrm>
+        </p:spPr>
+        <p:txBody>
+          <a:bodyPr>
+            <a:normAutofit/>
+          </a:bodyPr>
+          <a:lstStyle/>
+          <a:p>
+            <a:r>
+              <a:rPr lang="fr-FR" b="1" dirty="0"/>
+              <a:t>Travail pour approfondir les notions / Valider ses acquis</a:t>
+            </a:r>
+          </a:p>
+          <a:p>
+            <a:pPr lvl="1"/>
+            <a:r>
+              <a:rPr lang="fr-FR" dirty="0"/>
+              <a:t>Résultats que vous pouvez soumettre par mail</a:t>
+            </a:r>
+          </a:p>
+          <a:p>
+            <a:pPr lvl="2"/>
+            <a:r>
+              <a:rPr lang="fr-FR" dirty="0"/>
+              <a:t>Bonnes pratiques en programmation : </a:t>
+            </a:r>
+          </a:p>
+          <a:p>
+            <a:pPr lvl="3"/>
+            <a:r>
+              <a:rPr lang="fr-FR" dirty="0"/>
+              <a:t>Code propre / documenté</a:t>
+            </a:r>
+          </a:p>
+          <a:p>
+            <a:pPr lvl="3"/>
+            <a:r>
+              <a:rPr lang="fr-FR" dirty="0"/>
+              <a:t>Utilisation de fonctions</a:t>
+            </a:r>
+          </a:p>
+          <a:p>
+            <a:pPr lvl="2"/>
+            <a:r>
+              <a:rPr lang="fr-FR" dirty="0"/>
+              <a:t>Présentation des résultats</a:t>
+            </a:r>
+          </a:p>
+          <a:p>
+            <a:pPr lvl="2"/>
+            <a:r>
+              <a:rPr lang="fr-FR" dirty="0"/>
+              <a:t>Analyse et critiques des résultats (aspect physique/mathématique)</a:t>
+            </a:r>
+          </a:p>
+        </p:txBody>
+      </p:sp>
+      <p:sp>
+        <p:nvSpPr>
+          <p:cNvPr id="2" name="Titre 1">
+            <a:extLst>
+              <a:ext uri="{FF2B5EF4-FFF2-40B4-BE49-F238E27FC236}">
+                <a16:creationId xmlns:a16="http://schemas.microsoft.com/office/drawing/2014/main" id="{90162AE8-C1B0-5C56-8313-DEE494F38273}"/>
+              </a:ext>
+            </a:extLst>
+          </p:cNvPr>
+          <p:cNvSpPr>
+            <a:spLocks noGrp="1"/>
+          </p:cNvSpPr>
+          <p:nvPr>
+            <p:ph type="title"/>
+          </p:nvPr>
+        </p:nvSpPr>
+        <p:spPr/>
+        <p:txBody>
+          <a:bodyPr/>
+          <a:lstStyle/>
+          <a:p>
+            <a:r>
+              <a:rPr lang="fr-FR" dirty="0"/>
+              <a:t>Approfondissement</a:t>
+            </a:r>
+          </a:p>
+        </p:txBody>
+      </p:sp>
+      <p:pic>
+        <p:nvPicPr>
+          <p:cNvPr id="5" name="Image 4" descr="Une image contenant texte&#10;&#10;Description générée automatiquement">
+            <a:extLst>
+              <a:ext uri="{FF2B5EF4-FFF2-40B4-BE49-F238E27FC236}">
+                <a16:creationId xmlns:a16="http://schemas.microsoft.com/office/drawing/2014/main" id="{204ADC40-1D61-539F-22ED-6B21D67FBDE6}"/>
+              </a:ext>
+            </a:extLst>
+          </p:cNvPr>
+          <p:cNvPicPr>
+            <a:picLocks noChangeAspect="1"/>
+          </p:cNvPicPr>
+          <p:nvPr/>
+        </p:nvPicPr>
+        <p:blipFill>
+          <a:blip r:embed="rId2">
+            <a:extLst>
+              <a:ext uri="{28A0092B-C50C-407E-A947-70E740481C1C}">
+                <a14:useLocalDpi xmlns:a14="http://schemas.microsoft.com/office/drawing/2010/main" val="0"/>
+              </a:ext>
+            </a:extLst>
+          </a:blip>
+          <a:stretch>
+            <a:fillRect/>
+          </a:stretch>
+        </p:blipFill>
+        <p:spPr>
+          <a:xfrm>
+            <a:off x="202922" y="5934456"/>
+            <a:ext cx="1825291" cy="749808"/>
+          </a:xfrm>
+          <a:prstGeom prst="rect">
+            <a:avLst/>
+          </a:prstGeom>
+        </p:spPr>
+      </p:pic>
+      <p:pic>
+        <p:nvPicPr>
+          <p:cNvPr id="1026" name="Picture 2">
+            <a:extLst>
+              <a:ext uri="{FF2B5EF4-FFF2-40B4-BE49-F238E27FC236}">
+                <a16:creationId xmlns:a16="http://schemas.microsoft.com/office/drawing/2014/main" id="{EEC3CC6F-ADB4-888A-B18B-7044585F0661}"/>
+              </a:ext>
+            </a:extLst>
+          </p:cNvPr>
+          <p:cNvPicPr>
+            <a:picLocks noChangeAspect="1" noChangeArrowheads="1"/>
+          </p:cNvPicPr>
+          <p:nvPr/>
+        </p:nvPicPr>
+        <p:blipFill>
+          <a:blip r:embed="rId3">
+            <a:extLst>
+              <a:ext uri="{28A0092B-C50C-407E-A947-70E740481C1C}">
+                <a14:useLocalDpi xmlns:a14="http://schemas.microsoft.com/office/drawing/2010/main" val="0"/>
+              </a:ext>
+            </a:extLst>
+          </a:blip>
+          <a:srcRect/>
+          <a:stretch>
+            <a:fillRect/>
+          </a:stretch>
+        </p:blipFill>
+        <p:spPr bwMode="auto">
+          <a:xfrm>
+            <a:off x="10552557" y="3042631"/>
+            <a:ext cx="1047750" cy="1219200"/>
+          </a:xfrm>
+          <a:prstGeom prst="rect">
+            <a:avLst/>
+          </a:prstGeom>
+          <a:noFill/>
+          <a:extLst>
+            <a:ext uri="{909E8E84-426E-40DD-AFC4-6F175D3DCCD1}">
+              <a14:hiddenFill xmlns:a14="http://schemas.microsoft.com/office/drawing/2010/main">
+                <a:solidFill>
+                  <a:srgbClr val="FFFFFF"/>
+                </a:solidFill>
+              </a14:hiddenFill>
+            </a:ext>
+          </a:extLst>
+        </p:spPr>
+      </p:pic>
+      <p:pic>
+        <p:nvPicPr>
+          <p:cNvPr id="4" name="Picture 8" descr="Résultat de recherche d'images pour &quot;spyder logo&quot;">
+            <a:extLst>
+              <a:ext uri="{FF2B5EF4-FFF2-40B4-BE49-F238E27FC236}">
+                <a16:creationId xmlns:a16="http://schemas.microsoft.com/office/drawing/2014/main" id="{7D86E94E-1CE4-F45E-69EA-100C66B3A897}"/>
+              </a:ext>
+            </a:extLst>
+          </p:cNvPr>
+          <p:cNvPicPr>
+            <a:picLocks noChangeAspect="1" noChangeArrowheads="1"/>
+          </p:cNvPicPr>
+          <p:nvPr/>
+        </p:nvPicPr>
+        <p:blipFill>
+          <a:blip r:embed="rId4">
+            <a:extLst>
+              <a:ext uri="{28A0092B-C50C-407E-A947-70E740481C1C}">
+                <a14:useLocalDpi xmlns:a14="http://schemas.microsoft.com/office/drawing/2010/main" val="0"/>
+              </a:ext>
+            </a:extLst>
+          </a:blip>
+          <a:srcRect/>
+          <a:stretch>
+            <a:fillRect/>
+          </a:stretch>
+        </p:blipFill>
+        <p:spPr bwMode="auto">
+          <a:xfrm>
+            <a:off x="10119668" y="4581003"/>
+            <a:ext cx="1913528" cy="956764"/>
+          </a:xfrm>
+          <a:prstGeom prst="rect">
+            <a:avLst/>
+          </a:prstGeom>
+          <a:noFill/>
+          <a:extLst>
+            <a:ext uri="{909E8E84-426E-40DD-AFC4-6F175D3DCCD1}">
+              <a14:hiddenFill xmlns:a14="http://schemas.microsoft.com/office/drawing/2010/main">
+                <a:solidFill>
+                  <a:srgbClr val="FFFFFF"/>
+                </a:solidFill>
+              </a14:hiddenFill>
+            </a:ext>
+          </a:extLst>
+        </p:spPr>
+      </p:pic>
+      <p:pic>
+        <p:nvPicPr>
+          <p:cNvPr id="7" name="Graphique 6" descr="Flèches de chevron avec un remplissage uni">
+            <a:extLst>
+              <a:ext uri="{FF2B5EF4-FFF2-40B4-BE49-F238E27FC236}">
+                <a16:creationId xmlns:a16="http://schemas.microsoft.com/office/drawing/2014/main" id="{80926F58-1C00-743C-5E30-C8AF32AD8C71}"/>
+              </a:ext>
+            </a:extLst>
+          </p:cNvPr>
+          <p:cNvPicPr>
+            <a:picLocks noChangeAspect="1"/>
+          </p:cNvPicPr>
+          <p:nvPr/>
+        </p:nvPicPr>
+        <p:blipFill>
+          <a:blip r:embed="rId5">
+            <a:extLst>
+              <a:ext uri="{28A0092B-C50C-407E-A947-70E740481C1C}">
+                <a14:useLocalDpi xmlns:a14="http://schemas.microsoft.com/office/drawing/2010/main" val="0"/>
+              </a:ext>
+              <a:ext uri="{96DAC541-7B7A-43D3-8B79-37D633B846F1}">
+                <asvg:svgBlip xmlns:asvg="http://schemas.microsoft.com/office/drawing/2016/SVG/main" r:embed="rId6"/>
+              </a:ext>
+            </a:extLst>
+          </a:blip>
+          <a:stretch>
+            <a:fillRect/>
+          </a:stretch>
+        </p:blipFill>
+        <p:spPr>
+          <a:xfrm>
+            <a:off x="7005291" y="437784"/>
+            <a:ext cx="1401288" cy="1401288"/>
+          </a:xfrm>
+          <a:prstGeom prst="rect">
+            <a:avLst/>
+          </a:prstGeom>
+        </p:spPr>
+      </p:pic>
+      <p:sp>
+        <p:nvSpPr>
+          <p:cNvPr id="6" name="ZoneTexte 5">
+            <a:extLst>
+              <a:ext uri="{FF2B5EF4-FFF2-40B4-BE49-F238E27FC236}">
+                <a16:creationId xmlns:a16="http://schemas.microsoft.com/office/drawing/2014/main" id="{53177DBA-E31C-6A08-5071-177B62FB5E96}"/>
+              </a:ext>
+            </a:extLst>
+          </p:cNvPr>
+          <p:cNvSpPr txBox="1"/>
+          <p:nvPr/>
+        </p:nvSpPr>
+        <p:spPr>
+          <a:xfrm>
+            <a:off x="8969659" y="1507987"/>
+            <a:ext cx="2435233" cy="369332"/>
+          </a:xfrm>
+          <a:prstGeom prst="rect">
+            <a:avLst/>
+          </a:prstGeom>
+          <a:solidFill>
+            <a:srgbClr val="7030A0"/>
+          </a:solidFill>
+        </p:spPr>
+        <p:txBody>
+          <a:bodyPr wrap="square">
+            <a:spAutoFit/>
+          </a:bodyPr>
+          <a:lstStyle/>
+          <a:p>
+            <a:pPr algn="ctr"/>
+            <a:r>
+              <a:rPr lang="fr-FR" b="1" i="1" dirty="0">
+                <a:solidFill>
+                  <a:schemeClr val="bg1"/>
+                </a:solidFill>
+              </a:rPr>
+              <a:t>ALLER PLUS LOIN</a:t>
+            </a:r>
+          </a:p>
+        </p:txBody>
+      </p:sp>
     </p:spTree>
     <p:extLst>
       <p:ext uri="{BB962C8B-B14F-4D97-AF65-F5344CB8AC3E}">
